--- a/Weekly_10chatchai.pptx
+++ b/Weekly_10chatchai.pptx
@@ -11,37 +11,30 @@
   <p:notesSz cx="6858000" cy="9144000"/>
   <p:embeddedFontLst>
     <p:embeddedFont>
-      <p:font typeface="Angsana New" panose="02020603050405020304" pitchFamily="18" charset="-34"/>
+      <p:font typeface="TH SarabunPSK" panose="020B0500040200020003" pitchFamily="34" charset="-34"/>
       <p:regular r:id="rId3"/>
       <p:bold r:id="rId4"/>
       <p:italic r:id="rId5"/>
       <p:boldItalic r:id="rId6"/>
     </p:embeddedFont>
     <p:embeddedFont>
-      <p:font typeface="Calibri" panose="020F0502020204030204" pitchFamily="34" charset="0"/>
+      <p:font typeface="Cordia New" panose="020B0304020202020204" pitchFamily="34" charset="-34"/>
       <p:regular r:id="rId7"/>
       <p:bold r:id="rId8"/>
       <p:italic r:id="rId9"/>
       <p:boldItalic r:id="rId10"/>
     </p:embeddedFont>
     <p:embeddedFont>
-      <p:font typeface="Calibri Light" panose="020B0604020202020204" charset="0"/>
+      <p:font typeface="Calibri Light" panose="020F0302020204030204" pitchFamily="34" charset="0"/>
       <p:regular r:id="rId11"/>
       <p:italic r:id="rId12"/>
     </p:embeddedFont>
     <p:embeddedFont>
-      <p:font typeface="TH SarabunPSK" panose="020B0500040200020003" pitchFamily="34" charset="-34"/>
+      <p:font typeface="Calibri" panose="020F0502020204030204" pitchFamily="34" charset="0"/>
       <p:regular r:id="rId13"/>
       <p:bold r:id="rId14"/>
       <p:italic r:id="rId15"/>
       <p:boldItalic r:id="rId16"/>
-    </p:embeddedFont>
-    <p:embeddedFont>
-      <p:font typeface="Cordia New" panose="020B0304020202020204" pitchFamily="34" charset="-34"/>
-      <p:regular r:id="rId17"/>
-      <p:bold r:id="rId18"/>
-      <p:italic r:id="rId19"/>
-      <p:boldItalic r:id="rId20"/>
     </p:embeddedFont>
   </p:embeddedFontLst>
   <p:defaultTextStyle>
@@ -141,7 +134,7 @@
   </p:defaultTextStyle>
   <p:extLst>
     <p:ext uri="{EFAFB233-063F-42B5-8137-9DF3F51BA10A}">
-      <p15:sldGuideLst xmlns="" xmlns:p15="http://schemas.microsoft.com/office/powerpoint/2012/main">
+      <p15:sldGuideLst xmlns:p15="http://schemas.microsoft.com/office/powerpoint/2012/main">
         <p15:guide id="1" orient="horz" pos="2160">
           <p15:clr>
             <a:srgbClr val="A4A3A4"/>
@@ -180,7 +173,7 @@
           <p:cNvPr id="2" name="Title 1">
             <a:extLst>
               <a:ext uri="{FF2B5EF4-FFF2-40B4-BE49-F238E27FC236}">
-                <a16:creationId xmlns="" xmlns:a16="http://schemas.microsoft.com/office/drawing/2014/main" id="{650FD0ED-A949-4B97-A250-CE4E5BC80387}"/>
+                <a16:creationId xmlns:a16="http://schemas.microsoft.com/office/drawing/2014/main" id="{650FD0ED-A949-4B97-A250-CE4E5BC80387}"/>
               </a:ext>
             </a:extLst>
           </p:cNvPr>
@@ -217,7 +210,7 @@
           <p:cNvPr id="3" name="Subtitle 2">
             <a:extLst>
               <a:ext uri="{FF2B5EF4-FFF2-40B4-BE49-F238E27FC236}">
-                <a16:creationId xmlns="" xmlns:a16="http://schemas.microsoft.com/office/drawing/2014/main" id="{F446B938-1E08-47D0-9E3D-E7D1D16B15BB}"/>
+                <a16:creationId xmlns:a16="http://schemas.microsoft.com/office/drawing/2014/main" id="{F446B938-1E08-47D0-9E3D-E7D1D16B15BB}"/>
               </a:ext>
             </a:extLst>
           </p:cNvPr>
@@ -287,7 +280,7 @@
           <p:cNvPr id="4" name="Date Placeholder 3">
             <a:extLst>
               <a:ext uri="{FF2B5EF4-FFF2-40B4-BE49-F238E27FC236}">
-                <a16:creationId xmlns="" xmlns:a16="http://schemas.microsoft.com/office/drawing/2014/main" id="{044BC13C-9320-48FB-88BB-FDA27D34EDF0}"/>
+                <a16:creationId xmlns:a16="http://schemas.microsoft.com/office/drawing/2014/main" id="{044BC13C-9320-48FB-88BB-FDA27D34EDF0}"/>
               </a:ext>
             </a:extLst>
           </p:cNvPr>
@@ -305,7 +298,7 @@
           <a:p>
             <a:fld id="{792DEABD-4779-4C59-ADD8-6252BF3C8ADC}" type="datetimeFigureOut">
               <a:rPr lang="en-US" smtClean="0"/>
-              <a:t>10/1/2018</a:t>
+              <a:t>10/7/2018</a:t>
             </a:fld>
             <a:endParaRPr lang="en-US"/>
           </a:p>
@@ -316,7 +309,7 @@
           <p:cNvPr id="5" name="Footer Placeholder 4">
             <a:extLst>
               <a:ext uri="{FF2B5EF4-FFF2-40B4-BE49-F238E27FC236}">
-                <a16:creationId xmlns="" xmlns:a16="http://schemas.microsoft.com/office/drawing/2014/main" id="{020B1A79-4782-4D8B-8B4D-4AAEBE3B1280}"/>
+                <a16:creationId xmlns:a16="http://schemas.microsoft.com/office/drawing/2014/main" id="{020B1A79-4782-4D8B-8B4D-4AAEBE3B1280}"/>
               </a:ext>
             </a:extLst>
           </p:cNvPr>
@@ -341,7 +334,7 @@
           <p:cNvPr id="6" name="Slide Number Placeholder 5">
             <a:extLst>
               <a:ext uri="{FF2B5EF4-FFF2-40B4-BE49-F238E27FC236}">
-                <a16:creationId xmlns="" xmlns:a16="http://schemas.microsoft.com/office/drawing/2014/main" id="{7241BFA8-140A-4776-8138-827950CE1A00}"/>
+                <a16:creationId xmlns:a16="http://schemas.microsoft.com/office/drawing/2014/main" id="{7241BFA8-140A-4776-8138-827950CE1A00}"/>
               </a:ext>
             </a:extLst>
           </p:cNvPr>
@@ -400,7 +393,7 @@
           <p:cNvPr id="2" name="Title 1">
             <a:extLst>
               <a:ext uri="{FF2B5EF4-FFF2-40B4-BE49-F238E27FC236}">
-                <a16:creationId xmlns="" xmlns:a16="http://schemas.microsoft.com/office/drawing/2014/main" id="{A7EBC6B9-0672-41BF-83DF-45766D10C298}"/>
+                <a16:creationId xmlns:a16="http://schemas.microsoft.com/office/drawing/2014/main" id="{A7EBC6B9-0672-41BF-83DF-45766D10C298}"/>
               </a:ext>
             </a:extLst>
           </p:cNvPr>
@@ -428,7 +421,7 @@
           <p:cNvPr id="3" name="Vertical Text Placeholder 2">
             <a:extLst>
               <a:ext uri="{FF2B5EF4-FFF2-40B4-BE49-F238E27FC236}">
-                <a16:creationId xmlns="" xmlns:a16="http://schemas.microsoft.com/office/drawing/2014/main" id="{E4414F04-2D15-48E7-BD0A-6843D98EB975}"/>
+                <a16:creationId xmlns:a16="http://schemas.microsoft.com/office/drawing/2014/main" id="{E4414F04-2D15-48E7-BD0A-6843D98EB975}"/>
               </a:ext>
             </a:extLst>
           </p:cNvPr>
@@ -485,7 +478,7 @@
           <p:cNvPr id="4" name="Date Placeholder 3">
             <a:extLst>
               <a:ext uri="{FF2B5EF4-FFF2-40B4-BE49-F238E27FC236}">
-                <a16:creationId xmlns="" xmlns:a16="http://schemas.microsoft.com/office/drawing/2014/main" id="{6D4820A3-8720-44B4-9C5A-83443DA8F330}"/>
+                <a16:creationId xmlns:a16="http://schemas.microsoft.com/office/drawing/2014/main" id="{6D4820A3-8720-44B4-9C5A-83443DA8F330}"/>
               </a:ext>
             </a:extLst>
           </p:cNvPr>
@@ -503,7 +496,7 @@
           <a:p>
             <a:fld id="{792DEABD-4779-4C59-ADD8-6252BF3C8ADC}" type="datetimeFigureOut">
               <a:rPr lang="en-US" smtClean="0"/>
-              <a:t>10/1/2018</a:t>
+              <a:t>10/7/2018</a:t>
             </a:fld>
             <a:endParaRPr lang="en-US"/>
           </a:p>
@@ -514,7 +507,7 @@
           <p:cNvPr id="5" name="Footer Placeholder 4">
             <a:extLst>
               <a:ext uri="{FF2B5EF4-FFF2-40B4-BE49-F238E27FC236}">
-                <a16:creationId xmlns="" xmlns:a16="http://schemas.microsoft.com/office/drawing/2014/main" id="{37C98D4E-CFEE-4A0E-A6CF-F1DDF9B898A1}"/>
+                <a16:creationId xmlns:a16="http://schemas.microsoft.com/office/drawing/2014/main" id="{37C98D4E-CFEE-4A0E-A6CF-F1DDF9B898A1}"/>
               </a:ext>
             </a:extLst>
           </p:cNvPr>
@@ -539,7 +532,7 @@
           <p:cNvPr id="6" name="Slide Number Placeholder 5">
             <a:extLst>
               <a:ext uri="{FF2B5EF4-FFF2-40B4-BE49-F238E27FC236}">
-                <a16:creationId xmlns="" xmlns:a16="http://schemas.microsoft.com/office/drawing/2014/main" id="{17CBBA5A-49C0-4D21-93BA-4F12F23BAA19}"/>
+                <a16:creationId xmlns:a16="http://schemas.microsoft.com/office/drawing/2014/main" id="{17CBBA5A-49C0-4D21-93BA-4F12F23BAA19}"/>
               </a:ext>
             </a:extLst>
           </p:cNvPr>
@@ -598,7 +591,7 @@
           <p:cNvPr id="2" name="Vertical Title 1">
             <a:extLst>
               <a:ext uri="{FF2B5EF4-FFF2-40B4-BE49-F238E27FC236}">
-                <a16:creationId xmlns="" xmlns:a16="http://schemas.microsoft.com/office/drawing/2014/main" id="{F06F2734-B894-40D3-8D4C-2B9ACAFE41D5}"/>
+                <a16:creationId xmlns:a16="http://schemas.microsoft.com/office/drawing/2014/main" id="{F06F2734-B894-40D3-8D4C-2B9ACAFE41D5}"/>
               </a:ext>
             </a:extLst>
           </p:cNvPr>
@@ -631,7 +624,7 @@
           <p:cNvPr id="3" name="Vertical Text Placeholder 2">
             <a:extLst>
               <a:ext uri="{FF2B5EF4-FFF2-40B4-BE49-F238E27FC236}">
-                <a16:creationId xmlns="" xmlns:a16="http://schemas.microsoft.com/office/drawing/2014/main" id="{681A8BAA-F022-4C68-8CCF-58AA6B966246}"/>
+                <a16:creationId xmlns:a16="http://schemas.microsoft.com/office/drawing/2014/main" id="{681A8BAA-F022-4C68-8CCF-58AA6B966246}"/>
               </a:ext>
             </a:extLst>
           </p:cNvPr>
@@ -693,7 +686,7 @@
           <p:cNvPr id="4" name="Date Placeholder 3">
             <a:extLst>
               <a:ext uri="{FF2B5EF4-FFF2-40B4-BE49-F238E27FC236}">
-                <a16:creationId xmlns="" xmlns:a16="http://schemas.microsoft.com/office/drawing/2014/main" id="{7A50C2C2-DB73-4991-9D23-6FB22CA27303}"/>
+                <a16:creationId xmlns:a16="http://schemas.microsoft.com/office/drawing/2014/main" id="{7A50C2C2-DB73-4991-9D23-6FB22CA27303}"/>
               </a:ext>
             </a:extLst>
           </p:cNvPr>
@@ -711,7 +704,7 @@
           <a:p>
             <a:fld id="{792DEABD-4779-4C59-ADD8-6252BF3C8ADC}" type="datetimeFigureOut">
               <a:rPr lang="en-US" smtClean="0"/>
-              <a:t>10/1/2018</a:t>
+              <a:t>10/7/2018</a:t>
             </a:fld>
             <a:endParaRPr lang="en-US"/>
           </a:p>
@@ -722,7 +715,7 @@
           <p:cNvPr id="5" name="Footer Placeholder 4">
             <a:extLst>
               <a:ext uri="{FF2B5EF4-FFF2-40B4-BE49-F238E27FC236}">
-                <a16:creationId xmlns="" xmlns:a16="http://schemas.microsoft.com/office/drawing/2014/main" id="{626A4061-AC2F-46ED-A79E-4987DA922E77}"/>
+                <a16:creationId xmlns:a16="http://schemas.microsoft.com/office/drawing/2014/main" id="{626A4061-AC2F-46ED-A79E-4987DA922E77}"/>
               </a:ext>
             </a:extLst>
           </p:cNvPr>
@@ -747,7 +740,7 @@
           <p:cNvPr id="6" name="Slide Number Placeholder 5">
             <a:extLst>
               <a:ext uri="{FF2B5EF4-FFF2-40B4-BE49-F238E27FC236}">
-                <a16:creationId xmlns="" xmlns:a16="http://schemas.microsoft.com/office/drawing/2014/main" id="{CE6ED209-B633-4C0C-9DB4-FF0747CF9DC5}"/>
+                <a16:creationId xmlns:a16="http://schemas.microsoft.com/office/drawing/2014/main" id="{CE6ED209-B633-4C0C-9DB4-FF0747CF9DC5}"/>
               </a:ext>
             </a:extLst>
           </p:cNvPr>
@@ -806,7 +799,7 @@
           <p:cNvPr id="2" name="Title 1">
             <a:extLst>
               <a:ext uri="{FF2B5EF4-FFF2-40B4-BE49-F238E27FC236}">
-                <a16:creationId xmlns="" xmlns:a16="http://schemas.microsoft.com/office/drawing/2014/main" id="{F8E26F5C-3A94-4856-BC09-790B5CF3435A}"/>
+                <a16:creationId xmlns:a16="http://schemas.microsoft.com/office/drawing/2014/main" id="{F8E26F5C-3A94-4856-BC09-790B5CF3435A}"/>
               </a:ext>
             </a:extLst>
           </p:cNvPr>
@@ -834,7 +827,7 @@
           <p:cNvPr id="3" name="Content Placeholder 2">
             <a:extLst>
               <a:ext uri="{FF2B5EF4-FFF2-40B4-BE49-F238E27FC236}">
-                <a16:creationId xmlns="" xmlns:a16="http://schemas.microsoft.com/office/drawing/2014/main" id="{11D9339B-AC90-4548-89F7-3F28FB1E6020}"/>
+                <a16:creationId xmlns:a16="http://schemas.microsoft.com/office/drawing/2014/main" id="{11D9339B-AC90-4548-89F7-3F28FB1E6020}"/>
               </a:ext>
             </a:extLst>
           </p:cNvPr>
@@ -891,7 +884,7 @@
           <p:cNvPr id="4" name="Date Placeholder 3">
             <a:extLst>
               <a:ext uri="{FF2B5EF4-FFF2-40B4-BE49-F238E27FC236}">
-                <a16:creationId xmlns="" xmlns:a16="http://schemas.microsoft.com/office/drawing/2014/main" id="{D84D5D70-D5CD-4557-A0BB-2C4222092476}"/>
+                <a16:creationId xmlns:a16="http://schemas.microsoft.com/office/drawing/2014/main" id="{D84D5D70-D5CD-4557-A0BB-2C4222092476}"/>
               </a:ext>
             </a:extLst>
           </p:cNvPr>
@@ -909,7 +902,7 @@
           <a:p>
             <a:fld id="{792DEABD-4779-4C59-ADD8-6252BF3C8ADC}" type="datetimeFigureOut">
               <a:rPr lang="en-US" smtClean="0"/>
-              <a:t>10/1/2018</a:t>
+              <a:t>10/7/2018</a:t>
             </a:fld>
             <a:endParaRPr lang="en-US"/>
           </a:p>
@@ -920,7 +913,7 @@
           <p:cNvPr id="5" name="Footer Placeholder 4">
             <a:extLst>
               <a:ext uri="{FF2B5EF4-FFF2-40B4-BE49-F238E27FC236}">
-                <a16:creationId xmlns="" xmlns:a16="http://schemas.microsoft.com/office/drawing/2014/main" id="{04F5E711-8BE9-424A-ABAF-32CC0F6185FA}"/>
+                <a16:creationId xmlns:a16="http://schemas.microsoft.com/office/drawing/2014/main" id="{04F5E711-8BE9-424A-ABAF-32CC0F6185FA}"/>
               </a:ext>
             </a:extLst>
           </p:cNvPr>
@@ -945,7 +938,7 @@
           <p:cNvPr id="6" name="Slide Number Placeholder 5">
             <a:extLst>
               <a:ext uri="{FF2B5EF4-FFF2-40B4-BE49-F238E27FC236}">
-                <a16:creationId xmlns="" xmlns:a16="http://schemas.microsoft.com/office/drawing/2014/main" id="{CA3527DD-4464-4DD4-9BDF-C7A84A1365A9}"/>
+                <a16:creationId xmlns:a16="http://schemas.microsoft.com/office/drawing/2014/main" id="{CA3527DD-4464-4DD4-9BDF-C7A84A1365A9}"/>
               </a:ext>
             </a:extLst>
           </p:cNvPr>
@@ -1004,7 +997,7 @@
           <p:cNvPr id="2" name="Title 1">
             <a:extLst>
               <a:ext uri="{FF2B5EF4-FFF2-40B4-BE49-F238E27FC236}">
-                <a16:creationId xmlns="" xmlns:a16="http://schemas.microsoft.com/office/drawing/2014/main" id="{F0471DE0-5303-4E0C-8A1D-BB4B4247D0F2}"/>
+                <a16:creationId xmlns:a16="http://schemas.microsoft.com/office/drawing/2014/main" id="{F0471DE0-5303-4E0C-8A1D-BB4B4247D0F2}"/>
               </a:ext>
             </a:extLst>
           </p:cNvPr>
@@ -1041,7 +1034,7 @@
           <p:cNvPr id="3" name="Text Placeholder 2">
             <a:extLst>
               <a:ext uri="{FF2B5EF4-FFF2-40B4-BE49-F238E27FC236}">
-                <a16:creationId xmlns="" xmlns:a16="http://schemas.microsoft.com/office/drawing/2014/main" id="{E3EF2370-B36A-429A-9176-242C0565ADB4}"/>
+                <a16:creationId xmlns:a16="http://schemas.microsoft.com/office/drawing/2014/main" id="{E3EF2370-B36A-429A-9176-242C0565ADB4}"/>
               </a:ext>
             </a:extLst>
           </p:cNvPr>
@@ -1166,7 +1159,7 @@
           <p:cNvPr id="4" name="Date Placeholder 3">
             <a:extLst>
               <a:ext uri="{FF2B5EF4-FFF2-40B4-BE49-F238E27FC236}">
-                <a16:creationId xmlns="" xmlns:a16="http://schemas.microsoft.com/office/drawing/2014/main" id="{E02AA2AD-4BF2-4F35-9F41-CBF5BFFA7C47}"/>
+                <a16:creationId xmlns:a16="http://schemas.microsoft.com/office/drawing/2014/main" id="{E02AA2AD-4BF2-4F35-9F41-CBF5BFFA7C47}"/>
               </a:ext>
             </a:extLst>
           </p:cNvPr>
@@ -1184,7 +1177,7 @@
           <a:p>
             <a:fld id="{792DEABD-4779-4C59-ADD8-6252BF3C8ADC}" type="datetimeFigureOut">
               <a:rPr lang="en-US" smtClean="0"/>
-              <a:t>10/1/2018</a:t>
+              <a:t>10/7/2018</a:t>
             </a:fld>
             <a:endParaRPr lang="en-US"/>
           </a:p>
@@ -1195,7 +1188,7 @@
           <p:cNvPr id="5" name="Footer Placeholder 4">
             <a:extLst>
               <a:ext uri="{FF2B5EF4-FFF2-40B4-BE49-F238E27FC236}">
-                <a16:creationId xmlns="" xmlns:a16="http://schemas.microsoft.com/office/drawing/2014/main" id="{D425C445-2F0F-4A35-ABF4-90051C8A8037}"/>
+                <a16:creationId xmlns:a16="http://schemas.microsoft.com/office/drawing/2014/main" id="{D425C445-2F0F-4A35-ABF4-90051C8A8037}"/>
               </a:ext>
             </a:extLst>
           </p:cNvPr>
@@ -1220,7 +1213,7 @@
           <p:cNvPr id="6" name="Slide Number Placeholder 5">
             <a:extLst>
               <a:ext uri="{FF2B5EF4-FFF2-40B4-BE49-F238E27FC236}">
-                <a16:creationId xmlns="" xmlns:a16="http://schemas.microsoft.com/office/drawing/2014/main" id="{829F1220-FBBB-486B-80D3-079087E84C7F}"/>
+                <a16:creationId xmlns:a16="http://schemas.microsoft.com/office/drawing/2014/main" id="{829F1220-FBBB-486B-80D3-079087E84C7F}"/>
               </a:ext>
             </a:extLst>
           </p:cNvPr>
@@ -1279,7 +1272,7 @@
           <p:cNvPr id="2" name="Title 1">
             <a:extLst>
               <a:ext uri="{FF2B5EF4-FFF2-40B4-BE49-F238E27FC236}">
-                <a16:creationId xmlns="" xmlns:a16="http://schemas.microsoft.com/office/drawing/2014/main" id="{42300059-1DFB-4B47-81C5-B88A9693CA6D}"/>
+                <a16:creationId xmlns:a16="http://schemas.microsoft.com/office/drawing/2014/main" id="{42300059-1DFB-4B47-81C5-B88A9693CA6D}"/>
               </a:ext>
             </a:extLst>
           </p:cNvPr>
@@ -1307,7 +1300,7 @@
           <p:cNvPr id="3" name="Content Placeholder 2">
             <a:extLst>
               <a:ext uri="{FF2B5EF4-FFF2-40B4-BE49-F238E27FC236}">
-                <a16:creationId xmlns="" xmlns:a16="http://schemas.microsoft.com/office/drawing/2014/main" id="{7866E30D-C059-46A0-BEC7-DCE2D7AE1F3F}"/>
+                <a16:creationId xmlns:a16="http://schemas.microsoft.com/office/drawing/2014/main" id="{7866E30D-C059-46A0-BEC7-DCE2D7AE1F3F}"/>
               </a:ext>
             </a:extLst>
           </p:cNvPr>
@@ -1369,7 +1362,7 @@
           <p:cNvPr id="4" name="Content Placeholder 3">
             <a:extLst>
               <a:ext uri="{FF2B5EF4-FFF2-40B4-BE49-F238E27FC236}">
-                <a16:creationId xmlns="" xmlns:a16="http://schemas.microsoft.com/office/drawing/2014/main" id="{7CF32D9B-2185-422F-B06C-A1C370279760}"/>
+                <a16:creationId xmlns:a16="http://schemas.microsoft.com/office/drawing/2014/main" id="{7CF32D9B-2185-422F-B06C-A1C370279760}"/>
               </a:ext>
             </a:extLst>
           </p:cNvPr>
@@ -1431,7 +1424,7 @@
           <p:cNvPr id="5" name="Date Placeholder 4">
             <a:extLst>
               <a:ext uri="{FF2B5EF4-FFF2-40B4-BE49-F238E27FC236}">
-                <a16:creationId xmlns="" xmlns:a16="http://schemas.microsoft.com/office/drawing/2014/main" id="{67A7036A-36D8-408B-A4B2-214E2CD98C19}"/>
+                <a16:creationId xmlns:a16="http://schemas.microsoft.com/office/drawing/2014/main" id="{67A7036A-36D8-408B-A4B2-214E2CD98C19}"/>
               </a:ext>
             </a:extLst>
           </p:cNvPr>
@@ -1449,7 +1442,7 @@
           <a:p>
             <a:fld id="{792DEABD-4779-4C59-ADD8-6252BF3C8ADC}" type="datetimeFigureOut">
               <a:rPr lang="en-US" smtClean="0"/>
-              <a:t>10/1/2018</a:t>
+              <a:t>10/7/2018</a:t>
             </a:fld>
             <a:endParaRPr lang="en-US"/>
           </a:p>
@@ -1460,7 +1453,7 @@
           <p:cNvPr id="6" name="Footer Placeholder 5">
             <a:extLst>
               <a:ext uri="{FF2B5EF4-FFF2-40B4-BE49-F238E27FC236}">
-                <a16:creationId xmlns="" xmlns:a16="http://schemas.microsoft.com/office/drawing/2014/main" id="{00BCC2F0-26ED-4F76-A6AF-D35D8E77E0E8}"/>
+                <a16:creationId xmlns:a16="http://schemas.microsoft.com/office/drawing/2014/main" id="{00BCC2F0-26ED-4F76-A6AF-D35D8E77E0E8}"/>
               </a:ext>
             </a:extLst>
           </p:cNvPr>
@@ -1485,7 +1478,7 @@
           <p:cNvPr id="7" name="Slide Number Placeholder 6">
             <a:extLst>
               <a:ext uri="{FF2B5EF4-FFF2-40B4-BE49-F238E27FC236}">
-                <a16:creationId xmlns="" xmlns:a16="http://schemas.microsoft.com/office/drawing/2014/main" id="{80617DAD-F0CB-49E9-9860-72B20D1FC628}"/>
+                <a16:creationId xmlns:a16="http://schemas.microsoft.com/office/drawing/2014/main" id="{80617DAD-F0CB-49E9-9860-72B20D1FC628}"/>
               </a:ext>
             </a:extLst>
           </p:cNvPr>
@@ -1544,7 +1537,7 @@
           <p:cNvPr id="2" name="Title 1">
             <a:extLst>
               <a:ext uri="{FF2B5EF4-FFF2-40B4-BE49-F238E27FC236}">
-                <a16:creationId xmlns="" xmlns:a16="http://schemas.microsoft.com/office/drawing/2014/main" id="{4EA4E287-D775-427F-894A-1F0B4C8CAAE6}"/>
+                <a16:creationId xmlns:a16="http://schemas.microsoft.com/office/drawing/2014/main" id="{4EA4E287-D775-427F-894A-1F0B4C8CAAE6}"/>
               </a:ext>
             </a:extLst>
           </p:cNvPr>
@@ -1577,7 +1570,7 @@
           <p:cNvPr id="3" name="Text Placeholder 2">
             <a:extLst>
               <a:ext uri="{FF2B5EF4-FFF2-40B4-BE49-F238E27FC236}">
-                <a16:creationId xmlns="" xmlns:a16="http://schemas.microsoft.com/office/drawing/2014/main" id="{2BBBB722-7AD6-4257-B7EF-47440E9A6DF3}"/>
+                <a16:creationId xmlns:a16="http://schemas.microsoft.com/office/drawing/2014/main" id="{2BBBB722-7AD6-4257-B7EF-47440E9A6DF3}"/>
               </a:ext>
             </a:extLst>
           </p:cNvPr>
@@ -1648,7 +1641,7 @@
           <p:cNvPr id="4" name="Content Placeholder 3">
             <a:extLst>
               <a:ext uri="{FF2B5EF4-FFF2-40B4-BE49-F238E27FC236}">
-                <a16:creationId xmlns="" xmlns:a16="http://schemas.microsoft.com/office/drawing/2014/main" id="{57D2B48B-745A-4882-9D4F-D2E0F6D422FB}"/>
+                <a16:creationId xmlns:a16="http://schemas.microsoft.com/office/drawing/2014/main" id="{57D2B48B-745A-4882-9D4F-D2E0F6D422FB}"/>
               </a:ext>
             </a:extLst>
           </p:cNvPr>
@@ -1710,7 +1703,7 @@
           <p:cNvPr id="5" name="Text Placeholder 4">
             <a:extLst>
               <a:ext uri="{FF2B5EF4-FFF2-40B4-BE49-F238E27FC236}">
-                <a16:creationId xmlns="" xmlns:a16="http://schemas.microsoft.com/office/drawing/2014/main" id="{482F034E-CC6D-4DA5-ACB0-61CB6B5ADEEF}"/>
+                <a16:creationId xmlns:a16="http://schemas.microsoft.com/office/drawing/2014/main" id="{482F034E-CC6D-4DA5-ACB0-61CB6B5ADEEF}"/>
               </a:ext>
             </a:extLst>
           </p:cNvPr>
@@ -1781,7 +1774,7 @@
           <p:cNvPr id="6" name="Content Placeholder 5">
             <a:extLst>
               <a:ext uri="{FF2B5EF4-FFF2-40B4-BE49-F238E27FC236}">
-                <a16:creationId xmlns="" xmlns:a16="http://schemas.microsoft.com/office/drawing/2014/main" id="{0B77B0BE-441F-48A2-84F5-EB16C4EF3096}"/>
+                <a16:creationId xmlns:a16="http://schemas.microsoft.com/office/drawing/2014/main" id="{0B77B0BE-441F-48A2-84F5-EB16C4EF3096}"/>
               </a:ext>
             </a:extLst>
           </p:cNvPr>
@@ -1843,7 +1836,7 @@
           <p:cNvPr id="7" name="Date Placeholder 6">
             <a:extLst>
               <a:ext uri="{FF2B5EF4-FFF2-40B4-BE49-F238E27FC236}">
-                <a16:creationId xmlns="" xmlns:a16="http://schemas.microsoft.com/office/drawing/2014/main" id="{5FEC14FA-E4EA-47D2-9E7C-4FB071363D48}"/>
+                <a16:creationId xmlns:a16="http://schemas.microsoft.com/office/drawing/2014/main" id="{5FEC14FA-E4EA-47D2-9E7C-4FB071363D48}"/>
               </a:ext>
             </a:extLst>
           </p:cNvPr>
@@ -1861,7 +1854,7 @@
           <a:p>
             <a:fld id="{792DEABD-4779-4C59-ADD8-6252BF3C8ADC}" type="datetimeFigureOut">
               <a:rPr lang="en-US" smtClean="0"/>
-              <a:t>10/1/2018</a:t>
+              <a:t>10/7/2018</a:t>
             </a:fld>
             <a:endParaRPr lang="en-US"/>
           </a:p>
@@ -1872,7 +1865,7 @@
           <p:cNvPr id="8" name="Footer Placeholder 7">
             <a:extLst>
               <a:ext uri="{FF2B5EF4-FFF2-40B4-BE49-F238E27FC236}">
-                <a16:creationId xmlns="" xmlns:a16="http://schemas.microsoft.com/office/drawing/2014/main" id="{4A01142A-85AB-48AA-A52F-D5B91DCF1B22}"/>
+                <a16:creationId xmlns:a16="http://schemas.microsoft.com/office/drawing/2014/main" id="{4A01142A-85AB-48AA-A52F-D5B91DCF1B22}"/>
               </a:ext>
             </a:extLst>
           </p:cNvPr>
@@ -1897,7 +1890,7 @@
           <p:cNvPr id="9" name="Slide Number Placeholder 8">
             <a:extLst>
               <a:ext uri="{FF2B5EF4-FFF2-40B4-BE49-F238E27FC236}">
-                <a16:creationId xmlns="" xmlns:a16="http://schemas.microsoft.com/office/drawing/2014/main" id="{31078623-8BEA-4106-BF3A-509251311345}"/>
+                <a16:creationId xmlns:a16="http://schemas.microsoft.com/office/drawing/2014/main" id="{31078623-8BEA-4106-BF3A-509251311345}"/>
               </a:ext>
             </a:extLst>
           </p:cNvPr>
@@ -1956,7 +1949,7 @@
           <p:cNvPr id="2" name="Title 1">
             <a:extLst>
               <a:ext uri="{FF2B5EF4-FFF2-40B4-BE49-F238E27FC236}">
-                <a16:creationId xmlns="" xmlns:a16="http://schemas.microsoft.com/office/drawing/2014/main" id="{E6BE9BC0-3AB1-4730-A208-4D30B812AF6B}"/>
+                <a16:creationId xmlns:a16="http://schemas.microsoft.com/office/drawing/2014/main" id="{E6BE9BC0-3AB1-4730-A208-4D30B812AF6B}"/>
               </a:ext>
             </a:extLst>
           </p:cNvPr>
@@ -1984,7 +1977,7 @@
           <p:cNvPr id="3" name="Date Placeholder 2">
             <a:extLst>
               <a:ext uri="{FF2B5EF4-FFF2-40B4-BE49-F238E27FC236}">
-                <a16:creationId xmlns="" xmlns:a16="http://schemas.microsoft.com/office/drawing/2014/main" id="{3C11E9AE-5C0D-4CE1-A38B-CDDD9BD8EB65}"/>
+                <a16:creationId xmlns:a16="http://schemas.microsoft.com/office/drawing/2014/main" id="{3C11E9AE-5C0D-4CE1-A38B-CDDD9BD8EB65}"/>
               </a:ext>
             </a:extLst>
           </p:cNvPr>
@@ -2002,7 +1995,7 @@
           <a:p>
             <a:fld id="{792DEABD-4779-4C59-ADD8-6252BF3C8ADC}" type="datetimeFigureOut">
               <a:rPr lang="en-US" smtClean="0"/>
-              <a:t>10/1/2018</a:t>
+              <a:t>10/7/2018</a:t>
             </a:fld>
             <a:endParaRPr lang="en-US"/>
           </a:p>
@@ -2013,7 +2006,7 @@
           <p:cNvPr id="4" name="Footer Placeholder 3">
             <a:extLst>
               <a:ext uri="{FF2B5EF4-FFF2-40B4-BE49-F238E27FC236}">
-                <a16:creationId xmlns="" xmlns:a16="http://schemas.microsoft.com/office/drawing/2014/main" id="{A886429F-A197-4B75-884F-D623A8E967EE}"/>
+                <a16:creationId xmlns:a16="http://schemas.microsoft.com/office/drawing/2014/main" id="{A886429F-A197-4B75-884F-D623A8E967EE}"/>
               </a:ext>
             </a:extLst>
           </p:cNvPr>
@@ -2038,7 +2031,7 @@
           <p:cNvPr id="5" name="Slide Number Placeholder 4">
             <a:extLst>
               <a:ext uri="{FF2B5EF4-FFF2-40B4-BE49-F238E27FC236}">
-                <a16:creationId xmlns="" xmlns:a16="http://schemas.microsoft.com/office/drawing/2014/main" id="{8AC2EAF0-6A19-4D98-B36A-8F13806C1B7E}"/>
+                <a16:creationId xmlns:a16="http://schemas.microsoft.com/office/drawing/2014/main" id="{8AC2EAF0-6A19-4D98-B36A-8F13806C1B7E}"/>
               </a:ext>
             </a:extLst>
           </p:cNvPr>
@@ -2097,7 +2090,7 @@
           <p:cNvPr id="2" name="Date Placeholder 1">
             <a:extLst>
               <a:ext uri="{FF2B5EF4-FFF2-40B4-BE49-F238E27FC236}">
-                <a16:creationId xmlns="" xmlns:a16="http://schemas.microsoft.com/office/drawing/2014/main" id="{A992B6B4-6406-465B-86DF-511E45133B4F}"/>
+                <a16:creationId xmlns:a16="http://schemas.microsoft.com/office/drawing/2014/main" id="{A992B6B4-6406-465B-86DF-511E45133B4F}"/>
               </a:ext>
             </a:extLst>
           </p:cNvPr>
@@ -2115,7 +2108,7 @@
           <a:p>
             <a:fld id="{792DEABD-4779-4C59-ADD8-6252BF3C8ADC}" type="datetimeFigureOut">
               <a:rPr lang="en-US" smtClean="0"/>
-              <a:t>10/1/2018</a:t>
+              <a:t>10/7/2018</a:t>
             </a:fld>
             <a:endParaRPr lang="en-US"/>
           </a:p>
@@ -2126,7 +2119,7 @@
           <p:cNvPr id="3" name="Footer Placeholder 2">
             <a:extLst>
               <a:ext uri="{FF2B5EF4-FFF2-40B4-BE49-F238E27FC236}">
-                <a16:creationId xmlns="" xmlns:a16="http://schemas.microsoft.com/office/drawing/2014/main" id="{DCAFE9BA-C931-489B-8346-593FB968EC26}"/>
+                <a16:creationId xmlns:a16="http://schemas.microsoft.com/office/drawing/2014/main" id="{DCAFE9BA-C931-489B-8346-593FB968EC26}"/>
               </a:ext>
             </a:extLst>
           </p:cNvPr>
@@ -2151,7 +2144,7 @@
           <p:cNvPr id="4" name="Slide Number Placeholder 3">
             <a:extLst>
               <a:ext uri="{FF2B5EF4-FFF2-40B4-BE49-F238E27FC236}">
-                <a16:creationId xmlns="" xmlns:a16="http://schemas.microsoft.com/office/drawing/2014/main" id="{900A5E25-491C-445F-92A7-831A59BF07E3}"/>
+                <a16:creationId xmlns:a16="http://schemas.microsoft.com/office/drawing/2014/main" id="{900A5E25-491C-445F-92A7-831A59BF07E3}"/>
               </a:ext>
             </a:extLst>
           </p:cNvPr>
@@ -2210,7 +2203,7 @@
           <p:cNvPr id="2" name="Title 1">
             <a:extLst>
               <a:ext uri="{FF2B5EF4-FFF2-40B4-BE49-F238E27FC236}">
-                <a16:creationId xmlns="" xmlns:a16="http://schemas.microsoft.com/office/drawing/2014/main" id="{E9398EED-C89C-493A-BB0B-34F1FED4190C}"/>
+                <a16:creationId xmlns:a16="http://schemas.microsoft.com/office/drawing/2014/main" id="{E9398EED-C89C-493A-BB0B-34F1FED4190C}"/>
               </a:ext>
             </a:extLst>
           </p:cNvPr>
@@ -2247,7 +2240,7 @@
           <p:cNvPr id="3" name="Content Placeholder 2">
             <a:extLst>
               <a:ext uri="{FF2B5EF4-FFF2-40B4-BE49-F238E27FC236}">
-                <a16:creationId xmlns="" xmlns:a16="http://schemas.microsoft.com/office/drawing/2014/main" id="{F31B0F06-B44D-42AD-B2D7-CBD79D8461DE}"/>
+                <a16:creationId xmlns:a16="http://schemas.microsoft.com/office/drawing/2014/main" id="{F31B0F06-B44D-42AD-B2D7-CBD79D8461DE}"/>
               </a:ext>
             </a:extLst>
           </p:cNvPr>
@@ -2337,7 +2330,7 @@
           <p:cNvPr id="4" name="Text Placeholder 3">
             <a:extLst>
               <a:ext uri="{FF2B5EF4-FFF2-40B4-BE49-F238E27FC236}">
-                <a16:creationId xmlns="" xmlns:a16="http://schemas.microsoft.com/office/drawing/2014/main" id="{70FF62D2-950E-4D21-B2A2-7D237EF82C71}"/>
+                <a16:creationId xmlns:a16="http://schemas.microsoft.com/office/drawing/2014/main" id="{70FF62D2-950E-4D21-B2A2-7D237EF82C71}"/>
               </a:ext>
             </a:extLst>
           </p:cNvPr>
@@ -2408,7 +2401,7 @@
           <p:cNvPr id="5" name="Date Placeholder 4">
             <a:extLst>
               <a:ext uri="{FF2B5EF4-FFF2-40B4-BE49-F238E27FC236}">
-                <a16:creationId xmlns="" xmlns:a16="http://schemas.microsoft.com/office/drawing/2014/main" id="{2C5AF9D5-6121-49EB-8370-8A9C34F8170D}"/>
+                <a16:creationId xmlns:a16="http://schemas.microsoft.com/office/drawing/2014/main" id="{2C5AF9D5-6121-49EB-8370-8A9C34F8170D}"/>
               </a:ext>
             </a:extLst>
           </p:cNvPr>
@@ -2426,7 +2419,7 @@
           <a:p>
             <a:fld id="{792DEABD-4779-4C59-ADD8-6252BF3C8ADC}" type="datetimeFigureOut">
               <a:rPr lang="en-US" smtClean="0"/>
-              <a:t>10/1/2018</a:t>
+              <a:t>10/7/2018</a:t>
             </a:fld>
             <a:endParaRPr lang="en-US"/>
           </a:p>
@@ -2437,7 +2430,7 @@
           <p:cNvPr id="6" name="Footer Placeholder 5">
             <a:extLst>
               <a:ext uri="{FF2B5EF4-FFF2-40B4-BE49-F238E27FC236}">
-                <a16:creationId xmlns="" xmlns:a16="http://schemas.microsoft.com/office/drawing/2014/main" id="{26A77BF7-B9AA-4D3A-9DC0-B93549914C04}"/>
+                <a16:creationId xmlns:a16="http://schemas.microsoft.com/office/drawing/2014/main" id="{26A77BF7-B9AA-4D3A-9DC0-B93549914C04}"/>
               </a:ext>
             </a:extLst>
           </p:cNvPr>
@@ -2462,7 +2455,7 @@
           <p:cNvPr id="7" name="Slide Number Placeholder 6">
             <a:extLst>
               <a:ext uri="{FF2B5EF4-FFF2-40B4-BE49-F238E27FC236}">
-                <a16:creationId xmlns="" xmlns:a16="http://schemas.microsoft.com/office/drawing/2014/main" id="{1FF04D25-5F30-4B31-AE4E-A9B34BD596B7}"/>
+                <a16:creationId xmlns:a16="http://schemas.microsoft.com/office/drawing/2014/main" id="{1FF04D25-5F30-4B31-AE4E-A9B34BD596B7}"/>
               </a:ext>
             </a:extLst>
           </p:cNvPr>
@@ -2521,7 +2514,7 @@
           <p:cNvPr id="2" name="Title 1">
             <a:extLst>
               <a:ext uri="{FF2B5EF4-FFF2-40B4-BE49-F238E27FC236}">
-                <a16:creationId xmlns="" xmlns:a16="http://schemas.microsoft.com/office/drawing/2014/main" id="{12B5D51A-5D2A-4FCD-A00D-101DB091B1AE}"/>
+                <a16:creationId xmlns:a16="http://schemas.microsoft.com/office/drawing/2014/main" id="{12B5D51A-5D2A-4FCD-A00D-101DB091B1AE}"/>
               </a:ext>
             </a:extLst>
           </p:cNvPr>
@@ -2558,7 +2551,7 @@
           <p:cNvPr id="3" name="Picture Placeholder 2">
             <a:extLst>
               <a:ext uri="{FF2B5EF4-FFF2-40B4-BE49-F238E27FC236}">
-                <a16:creationId xmlns="" xmlns:a16="http://schemas.microsoft.com/office/drawing/2014/main" id="{A4FA81AC-ABA9-4101-BBA1-59A819DA3BC6}"/>
+                <a16:creationId xmlns:a16="http://schemas.microsoft.com/office/drawing/2014/main" id="{A4FA81AC-ABA9-4101-BBA1-59A819DA3BC6}"/>
               </a:ext>
             </a:extLst>
           </p:cNvPr>
@@ -2625,7 +2618,7 @@
           <p:cNvPr id="4" name="Text Placeholder 3">
             <a:extLst>
               <a:ext uri="{FF2B5EF4-FFF2-40B4-BE49-F238E27FC236}">
-                <a16:creationId xmlns="" xmlns:a16="http://schemas.microsoft.com/office/drawing/2014/main" id="{5EC6A4B0-2C73-4E37-B59F-F80141D441CF}"/>
+                <a16:creationId xmlns:a16="http://schemas.microsoft.com/office/drawing/2014/main" id="{5EC6A4B0-2C73-4E37-B59F-F80141D441CF}"/>
               </a:ext>
             </a:extLst>
           </p:cNvPr>
@@ -2696,7 +2689,7 @@
           <p:cNvPr id="5" name="Date Placeholder 4">
             <a:extLst>
               <a:ext uri="{FF2B5EF4-FFF2-40B4-BE49-F238E27FC236}">
-                <a16:creationId xmlns="" xmlns:a16="http://schemas.microsoft.com/office/drawing/2014/main" id="{210B3FE8-2D9C-42FC-89D7-F4495487ED8B}"/>
+                <a16:creationId xmlns:a16="http://schemas.microsoft.com/office/drawing/2014/main" id="{210B3FE8-2D9C-42FC-89D7-F4495487ED8B}"/>
               </a:ext>
             </a:extLst>
           </p:cNvPr>
@@ -2714,7 +2707,7 @@
           <a:p>
             <a:fld id="{792DEABD-4779-4C59-ADD8-6252BF3C8ADC}" type="datetimeFigureOut">
               <a:rPr lang="en-US" smtClean="0"/>
-              <a:t>10/1/2018</a:t>
+              <a:t>10/7/2018</a:t>
             </a:fld>
             <a:endParaRPr lang="en-US"/>
           </a:p>
@@ -2725,7 +2718,7 @@
           <p:cNvPr id="6" name="Footer Placeholder 5">
             <a:extLst>
               <a:ext uri="{FF2B5EF4-FFF2-40B4-BE49-F238E27FC236}">
-                <a16:creationId xmlns="" xmlns:a16="http://schemas.microsoft.com/office/drawing/2014/main" id="{521E6DD4-A190-467C-A74C-522BEDBE1AF1}"/>
+                <a16:creationId xmlns:a16="http://schemas.microsoft.com/office/drawing/2014/main" id="{521E6DD4-A190-467C-A74C-522BEDBE1AF1}"/>
               </a:ext>
             </a:extLst>
           </p:cNvPr>
@@ -2750,7 +2743,7 @@
           <p:cNvPr id="7" name="Slide Number Placeholder 6">
             <a:extLst>
               <a:ext uri="{FF2B5EF4-FFF2-40B4-BE49-F238E27FC236}">
-                <a16:creationId xmlns="" xmlns:a16="http://schemas.microsoft.com/office/drawing/2014/main" id="{006EE448-E994-4FF4-9C3D-29AE6657F213}"/>
+                <a16:creationId xmlns:a16="http://schemas.microsoft.com/office/drawing/2014/main" id="{006EE448-E994-4FF4-9C3D-29AE6657F213}"/>
               </a:ext>
             </a:extLst>
           </p:cNvPr>
@@ -2814,7 +2807,7 @@
           <p:cNvPr id="2" name="Title Placeholder 1">
             <a:extLst>
               <a:ext uri="{FF2B5EF4-FFF2-40B4-BE49-F238E27FC236}">
-                <a16:creationId xmlns="" xmlns:a16="http://schemas.microsoft.com/office/drawing/2014/main" id="{66BEADFA-C1C5-4895-A689-1BCDF5BCED70}"/>
+                <a16:creationId xmlns:a16="http://schemas.microsoft.com/office/drawing/2014/main" id="{66BEADFA-C1C5-4895-A689-1BCDF5BCED70}"/>
               </a:ext>
             </a:extLst>
           </p:cNvPr>
@@ -2852,7 +2845,7 @@
           <p:cNvPr id="3" name="Text Placeholder 2">
             <a:extLst>
               <a:ext uri="{FF2B5EF4-FFF2-40B4-BE49-F238E27FC236}">
-                <a16:creationId xmlns="" xmlns:a16="http://schemas.microsoft.com/office/drawing/2014/main" id="{A8C02DE7-57BF-4BC6-86A7-EA60CBB7D5E5}"/>
+                <a16:creationId xmlns:a16="http://schemas.microsoft.com/office/drawing/2014/main" id="{A8C02DE7-57BF-4BC6-86A7-EA60CBB7D5E5}"/>
               </a:ext>
             </a:extLst>
           </p:cNvPr>
@@ -2919,7 +2912,7 @@
           <p:cNvPr id="4" name="Date Placeholder 3">
             <a:extLst>
               <a:ext uri="{FF2B5EF4-FFF2-40B4-BE49-F238E27FC236}">
-                <a16:creationId xmlns="" xmlns:a16="http://schemas.microsoft.com/office/drawing/2014/main" id="{76165C62-3A88-45F7-8F05-24744848FA6B}"/>
+                <a16:creationId xmlns:a16="http://schemas.microsoft.com/office/drawing/2014/main" id="{76165C62-3A88-45F7-8F05-24744848FA6B}"/>
               </a:ext>
             </a:extLst>
           </p:cNvPr>
@@ -2955,7 +2948,7 @@
           <a:p>
             <a:fld id="{792DEABD-4779-4C59-ADD8-6252BF3C8ADC}" type="datetimeFigureOut">
               <a:rPr lang="en-US" smtClean="0"/>
-              <a:t>10/1/2018</a:t>
+              <a:t>10/7/2018</a:t>
             </a:fld>
             <a:endParaRPr lang="en-US"/>
           </a:p>
@@ -2966,7 +2959,7 @@
           <p:cNvPr id="5" name="Footer Placeholder 4">
             <a:extLst>
               <a:ext uri="{FF2B5EF4-FFF2-40B4-BE49-F238E27FC236}">
-                <a16:creationId xmlns="" xmlns:a16="http://schemas.microsoft.com/office/drawing/2014/main" id="{9601895A-A52E-4595-A921-D58ED8870A3F}"/>
+                <a16:creationId xmlns:a16="http://schemas.microsoft.com/office/drawing/2014/main" id="{9601895A-A52E-4595-A921-D58ED8870A3F}"/>
               </a:ext>
             </a:extLst>
           </p:cNvPr>
@@ -3009,7 +3002,7 @@
           <p:cNvPr id="6" name="Slide Number Placeholder 5">
             <a:extLst>
               <a:ext uri="{FF2B5EF4-FFF2-40B4-BE49-F238E27FC236}">
-                <a16:creationId xmlns="" xmlns:a16="http://schemas.microsoft.com/office/drawing/2014/main" id="{63544648-3BC8-4B23-B4D6-434642C9163E}"/>
+                <a16:creationId xmlns:a16="http://schemas.microsoft.com/office/drawing/2014/main" id="{63544648-3BC8-4B23-B4D6-434642C9163E}"/>
               </a:ext>
             </a:extLst>
           </p:cNvPr>
@@ -3372,134 +3365,113 @@
           <a:chExt cx="0" cy="0"/>
         </a:xfrm>
       </p:grpSpPr>
-      <p:grpSp>
-        <p:nvGrpSpPr>
-          <p:cNvPr id="6" name="Group 5">
-            <a:extLst>
-              <a:ext uri="{FF2B5EF4-FFF2-40B4-BE49-F238E27FC236}">
-                <a16:creationId xmlns="" xmlns:a16="http://schemas.microsoft.com/office/drawing/2014/main" id="{08230CC0-CC4A-4D29-8376-7D95F7BE9402}"/>
-              </a:ext>
-            </a:extLst>
-          </p:cNvPr>
-          <p:cNvGrpSpPr/>
+      <p:sp>
+        <p:nvSpPr>
+          <p:cNvPr id="4" name="Rectangle 3">
+            <a:extLst>
+              <a:ext uri="{FF2B5EF4-FFF2-40B4-BE49-F238E27FC236}">
+                <a16:creationId xmlns:a16="http://schemas.microsoft.com/office/drawing/2014/main" id="{10F6D18D-E128-4C75-B5DC-E1CC18DBE961}"/>
+              </a:ext>
+            </a:extLst>
+          </p:cNvPr>
+          <p:cNvSpPr/>
           <p:nvPr/>
-        </p:nvGrpSpPr>
-        <p:grpSpPr>
+        </p:nvSpPr>
+        <p:spPr>
           <a:xfrm>
             <a:off x="233756" y="143456"/>
             <a:ext cx="8676488" cy="6571088"/>
-            <a:chOff x="358346" y="358346"/>
-            <a:chExt cx="11479427" cy="6141308"/>
           </a:xfrm>
-        </p:grpSpPr>
-        <p:sp>
-          <p:nvSpPr>
-            <p:cNvPr id="4" name="Rectangle 3">
-              <a:extLst>
-                <a:ext uri="{FF2B5EF4-FFF2-40B4-BE49-F238E27FC236}">
-                  <a16:creationId xmlns="" xmlns:a16="http://schemas.microsoft.com/office/drawing/2014/main" id="{10F6D18D-E128-4C75-B5DC-E1CC18DBE961}"/>
-                </a:ext>
-              </a:extLst>
-            </p:cNvPr>
-            <p:cNvSpPr/>
-            <p:nvPr/>
-          </p:nvSpPr>
-          <p:spPr>
-            <a:xfrm>
-              <a:off x="358346" y="358346"/>
-              <a:ext cx="11479427" cy="6141308"/>
-            </a:xfrm>
-            <a:prstGeom prst="rect">
-              <a:avLst/>
-            </a:prstGeom>
-            <a:solidFill>
-              <a:srgbClr val="4472C4">
-                <a:alpha val="60000"/>
-              </a:srgbClr>
-            </a:solidFill>
-            <a:ln>
-              <a:noFill/>
-            </a:ln>
-          </p:spPr>
-          <p:style>
-            <a:lnRef idx="2">
-              <a:schemeClr val="accent1">
-                <a:shade val="50000"/>
-              </a:schemeClr>
-            </a:lnRef>
-            <a:fillRef idx="1">
-              <a:schemeClr val="accent1"/>
-            </a:fillRef>
-            <a:effectRef idx="0">
-              <a:schemeClr val="accent1"/>
-            </a:effectRef>
-            <a:fontRef idx="minor">
-              <a:schemeClr val="lt1"/>
-            </a:fontRef>
-          </p:style>
-          <p:txBody>
-            <a:bodyPr rtlCol="0" anchor="ctr"/>
-            <a:lstStyle/>
-            <a:p>
-              <a:pPr algn="ctr"/>
-              <a:endParaRPr lang="en-US" dirty="0"/>
-            </a:p>
-          </p:txBody>
-        </p:sp>
-        <p:sp>
-          <p:nvSpPr>
-            <p:cNvPr id="5" name="Rectangle 4">
-              <a:extLst>
-                <a:ext uri="{FF2B5EF4-FFF2-40B4-BE49-F238E27FC236}">
-                  <a16:creationId xmlns="" xmlns:a16="http://schemas.microsoft.com/office/drawing/2014/main" id="{1E87F037-729F-4D32-A1C7-9213869FBB8C}"/>
-                </a:ext>
-              </a:extLst>
-            </p:cNvPr>
-            <p:cNvSpPr/>
-            <p:nvPr/>
-          </p:nvSpPr>
-          <p:spPr>
-            <a:xfrm>
-              <a:off x="593124" y="580768"/>
-              <a:ext cx="10960444" cy="5721178"/>
-            </a:xfrm>
-            <a:prstGeom prst="rect">
-              <a:avLst/>
-            </a:prstGeom>
-            <a:ln>
-              <a:noFill/>
-            </a:ln>
-          </p:spPr>
-          <p:style>
-            <a:lnRef idx="2">
-              <a:schemeClr val="accent6"/>
-            </a:lnRef>
-            <a:fillRef idx="1">
-              <a:schemeClr val="lt1"/>
-            </a:fillRef>
-            <a:effectRef idx="0">
-              <a:schemeClr val="accent6"/>
-            </a:effectRef>
-            <a:fontRef idx="minor">
-              <a:schemeClr val="dk1"/>
-            </a:fontRef>
-          </p:style>
-          <p:txBody>
-            <a:bodyPr rtlCol="0" anchor="ctr"/>
-            <a:lstStyle/>
-            <a:p>
-              <a:pPr algn="ctr"/>
-              <a:endParaRPr lang="en-US" dirty="0"/>
-            </a:p>
-          </p:txBody>
-        </p:sp>
-      </p:grpSp>
+          <a:prstGeom prst="rect">
+            <a:avLst/>
+          </a:prstGeom>
+          <a:solidFill>
+            <a:srgbClr val="4472C4">
+              <a:alpha val="60000"/>
+            </a:srgbClr>
+          </a:solidFill>
+          <a:ln>
+            <a:noFill/>
+          </a:ln>
+        </p:spPr>
+        <p:style>
+          <a:lnRef idx="2">
+            <a:schemeClr val="accent1">
+              <a:shade val="50000"/>
+            </a:schemeClr>
+          </a:lnRef>
+          <a:fillRef idx="1">
+            <a:schemeClr val="accent1"/>
+          </a:fillRef>
+          <a:effectRef idx="0">
+            <a:schemeClr val="accent1"/>
+          </a:effectRef>
+          <a:fontRef idx="minor">
+            <a:schemeClr val="lt1"/>
+          </a:fontRef>
+        </p:style>
+        <p:txBody>
+          <a:bodyPr rtlCol="0" anchor="ctr"/>
+          <a:lstStyle/>
+          <a:p>
+            <a:pPr algn="ctr"/>
+            <a:endParaRPr lang="en-US" dirty="0"/>
+          </a:p>
+        </p:txBody>
+      </p:sp>
+      <p:sp>
+        <p:nvSpPr>
+          <p:cNvPr id="5" name="Rectangle 4">
+            <a:extLst>
+              <a:ext uri="{FF2B5EF4-FFF2-40B4-BE49-F238E27FC236}">
+                <a16:creationId xmlns:a16="http://schemas.microsoft.com/office/drawing/2014/main" id="{1E87F037-729F-4D32-A1C7-9213869FBB8C}"/>
+              </a:ext>
+            </a:extLst>
+          </p:cNvPr>
+          <p:cNvSpPr/>
+          <p:nvPr/>
+        </p:nvSpPr>
+        <p:spPr>
+          <a:xfrm>
+            <a:off x="411208" y="381443"/>
+            <a:ext cx="8284225" cy="6121557"/>
+          </a:xfrm>
+          <a:prstGeom prst="rect">
+            <a:avLst/>
+          </a:prstGeom>
+          <a:ln>
+            <a:noFill/>
+          </a:ln>
+        </p:spPr>
+        <p:style>
+          <a:lnRef idx="2">
+            <a:schemeClr val="accent6"/>
+          </a:lnRef>
+          <a:fillRef idx="1">
+            <a:schemeClr val="lt1"/>
+          </a:fillRef>
+          <a:effectRef idx="0">
+            <a:schemeClr val="accent6"/>
+          </a:effectRef>
+          <a:fontRef idx="minor">
+            <a:schemeClr val="dk1"/>
+          </a:fontRef>
+        </p:style>
+        <p:txBody>
+          <a:bodyPr rtlCol="0" anchor="ctr"/>
+          <a:lstStyle/>
+          <a:p>
+            <a:pPr algn="ctr"/>
+            <a:endParaRPr lang="en-US" dirty="0"/>
+          </a:p>
+        </p:txBody>
+      </p:sp>
       <p:sp>
         <p:nvSpPr>
           <p:cNvPr id="7" name="Rectangle 6">
             <a:extLst>
               <a:ext uri="{FF2B5EF4-FFF2-40B4-BE49-F238E27FC236}">
-                <a16:creationId xmlns="" xmlns:a16="http://schemas.microsoft.com/office/drawing/2014/main" id="{79AA4590-F30B-44DB-9644-D211ABCD869B}"/>
+                <a16:creationId xmlns:a16="http://schemas.microsoft.com/office/drawing/2014/main" id="{79AA4590-F30B-44DB-9644-D211ABCD869B}"/>
               </a:ext>
             </a:extLst>
           </p:cNvPr>
@@ -3551,7 +3523,7 @@
           <p:cNvPr id="10" name="Rectangle 9">
             <a:extLst>
               <a:ext uri="{FF2B5EF4-FFF2-40B4-BE49-F238E27FC236}">
-                <a16:creationId xmlns="" xmlns:a16="http://schemas.microsoft.com/office/drawing/2014/main" id="{85C1A091-754D-43AF-9DAE-04721531CBEE}"/>
+                <a16:creationId xmlns:a16="http://schemas.microsoft.com/office/drawing/2014/main" id="{85C1A091-754D-43AF-9DAE-04721531CBEE}"/>
               </a:ext>
             </a:extLst>
           </p:cNvPr>
@@ -3600,10 +3572,10 @@
       </p:sp>
       <p:graphicFrame>
         <p:nvGraphicFramePr>
-          <p:cNvPr id="18" name="Table 17">
-            <a:extLst>
-              <a:ext uri="{FF2B5EF4-FFF2-40B4-BE49-F238E27FC236}">
-                <a16:creationId xmlns="" xmlns:a16="http://schemas.microsoft.com/office/drawing/2014/main" id="{A9EDFC86-1FEB-4C7A-90A6-6DB738F7B6EB}"/>
+          <p:cNvPr id="24" name="Table 23">
+            <a:extLst>
+              <a:ext uri="{FF2B5EF4-FFF2-40B4-BE49-F238E27FC236}">
+                <a16:creationId xmlns:a16="http://schemas.microsoft.com/office/drawing/2014/main" id="{A9EDFC86-1FEB-4C7A-90A6-6DB738F7B6EB}"/>
               </a:ext>
             </a:extLst>
           </p:cNvPr>
@@ -3613,14 +3585,14 @@
           <p:nvPr>
             <p:extLst>
               <p:ext uri="{D42A27DB-BD31-4B8C-83A1-F6EECF244321}">
-                <p14:modId xmlns:p14="http://schemas.microsoft.com/office/powerpoint/2010/main" val="1668412414"/>
+                <p14:modId xmlns:p14="http://schemas.microsoft.com/office/powerpoint/2010/main" val="1725796879"/>
               </p:ext>
             </p:extLst>
           </p:nvPr>
         </p:nvGraphicFramePr>
         <p:xfrm>
-          <a:off x="603049" y="2108821"/>
-          <a:ext cx="3818238" cy="2198498"/>
+          <a:off x="590807" y="2089880"/>
+          <a:ext cx="3818238" cy="1815543"/>
         </p:xfrm>
         <a:graphic>
           <a:graphicData uri="http://schemas.openxmlformats.org/drawingml/2006/table">
@@ -3632,14 +3604,14 @@
                 <a:gridCol w="3040946">
                   <a:extLst>
                     <a:ext uri="{9D8B030D-6E8A-4147-A177-3AD203B41FA5}">
-                      <a16:colId xmlns="" xmlns:a16="http://schemas.microsoft.com/office/drawing/2014/main" val="2176200733"/>
+                      <a16:colId xmlns:a16="http://schemas.microsoft.com/office/drawing/2014/main" val="2176200733"/>
                     </a:ext>
                   </a:extLst>
                 </a:gridCol>
                 <a:gridCol w="777292">
                   <a:extLst>
                     <a:ext uri="{9D8B030D-6E8A-4147-A177-3AD203B41FA5}">
-                      <a16:colId xmlns="" xmlns:a16="http://schemas.microsoft.com/office/drawing/2014/main" val="4148840354"/>
+                      <a16:colId xmlns:a16="http://schemas.microsoft.com/office/drawing/2014/main" val="4148840354"/>
                     </a:ext>
                   </a:extLst>
                 </a:gridCol>
@@ -3687,7 +3659,7 @@
                 </a:tc>
                 <a:extLst>
                   <a:ext uri="{0D108BD9-81ED-4DB2-BD59-A6C34878D82A}">
-                    <a16:rowId xmlns="" xmlns:a16="http://schemas.microsoft.com/office/drawing/2014/main" val="2187342951"/>
+                    <a16:rowId xmlns:a16="http://schemas.microsoft.com/office/drawing/2014/main" val="2187342951"/>
                   </a:ext>
                 </a:extLst>
               </a:tr>
@@ -3697,36 +3669,29 @@
                     <a:bodyPr/>
                     <a:lstStyle/>
                     <a:p>
+                      <a:pPr marL="0" marR="0" indent="0" algn="l" defTabSz="914400" rtl="0" eaLnBrk="1" fontAlgn="auto" latinLnBrk="0" hangingPunct="1">
+                        <a:lnSpc>
+                          <a:spcPct val="100000"/>
+                        </a:lnSpc>
+                        <a:spcBef>
+                          <a:spcPts val="0"/>
+                        </a:spcBef>
+                        <a:spcAft>
+                          <a:spcPts val="0"/>
+                        </a:spcAft>
+                        <a:buClrTx/>
+                        <a:buSzTx/>
+                        <a:buFontTx/>
+                        <a:buNone/>
+                        <a:tabLst/>
+                        <a:defRPr/>
+                      </a:pPr>
                       <a:r>
                         <a:rPr lang="th-TH" sz="1400" dirty="0">
                           <a:latin typeface="Cordia New" panose="020B0304020202020204" pitchFamily="34" charset="-34"/>
                           <a:cs typeface="+mn-cs"/>
                         </a:rPr>
-                        <a:t>1.</a:t>
-                      </a:r>
-                      <a:r>
-                        <a:rPr lang="th-TH" sz="1400" dirty="0">
-                          <a:cs typeface="+mn-cs"/>
-                        </a:rPr>
-                        <a:t> </a:t>
-                      </a:r>
-                      <a:r>
-                        <a:rPr lang="th-TH" sz="1400" dirty="0" smtClean="0">
-                          <a:cs typeface="+mn-cs"/>
-                        </a:rPr>
-                        <a:t>ทำ</a:t>
-                      </a:r>
-                      <a:r>
-                        <a:rPr lang="th-TH" sz="1400" baseline="0" dirty="0" smtClean="0">
-                          <a:cs typeface="+mn-cs"/>
-                        </a:rPr>
-                        <a:t> </a:t>
-                      </a:r>
-                      <a:r>
-                        <a:rPr lang="en-US" sz="1400" baseline="0" dirty="0" smtClean="0">
-                          <a:cs typeface="+mn-cs"/>
-                        </a:rPr>
-                        <a:t>test script</a:t>
+                        <a:t>1.แก้ไขระบบตามความต้องการ</a:t>
                       </a:r>
                       <a:endParaRPr lang="en-US" sz="1400" dirty="0">
                         <a:latin typeface="Cordia New" panose="020B0304020202020204" pitchFamily="34" charset="-34"/>
@@ -3750,7 +3715,7 @@
                 </a:tc>
                 <a:extLst>
                   <a:ext uri="{0D108BD9-81ED-4DB2-BD59-A6C34878D82A}">
-                    <a16:rowId xmlns="" xmlns:a16="http://schemas.microsoft.com/office/drawing/2014/main" val="1446813083"/>
+                    <a16:rowId xmlns:a16="http://schemas.microsoft.com/office/drawing/2014/main" val="1446813083"/>
                   </a:ext>
                 </a:extLst>
               </a:tr>
@@ -3765,19 +3730,7 @@
                           <a:latin typeface="Cordia New" panose="020B0304020202020204" pitchFamily="34" charset="-34"/>
                           <a:cs typeface="+mn-cs"/>
                         </a:rPr>
-                        <a:t>2.</a:t>
-                      </a:r>
-                      <a:r>
-                        <a:rPr lang="th-TH" sz="1400" dirty="0">
-                          <a:cs typeface="+mn-cs"/>
-                        </a:rPr>
-                        <a:t> </a:t>
-                      </a:r>
-                      <a:r>
-                        <a:rPr lang="th-TH" sz="1400" dirty="0" smtClean="0">
-                          <a:cs typeface="+mn-cs"/>
-                        </a:rPr>
-                        <a:t>ทดสอบระบบ</a:t>
+                        <a:t>2.ทดสอบระบบ</a:t>
                       </a:r>
                       <a:endParaRPr lang="en-US" sz="1400" dirty="0">
                         <a:latin typeface="Cordia New" panose="020B0304020202020204" pitchFamily="34" charset="-34"/>
@@ -3801,7 +3754,7 @@
                 </a:tc>
                 <a:extLst>
                   <a:ext uri="{0D108BD9-81ED-4DB2-BD59-A6C34878D82A}">
-                    <a16:rowId xmlns="" xmlns:a16="http://schemas.microsoft.com/office/drawing/2014/main" val="1191543212"/>
+                    <a16:rowId xmlns:a16="http://schemas.microsoft.com/office/drawing/2014/main" val="1191543212"/>
                   </a:ext>
                 </a:extLst>
               </a:tr>
@@ -3812,11 +3765,11 @@
                     <a:lstStyle/>
                     <a:p>
                       <a:r>
-                        <a:rPr lang="th-TH" sz="1400" dirty="0" smtClean="0">
+                        <a:rPr lang="th-TH" sz="1400" dirty="0">
                           <a:latin typeface="Cordia New" panose="020B0304020202020204" pitchFamily="34" charset="-34"/>
                           <a:cs typeface="+mn-cs"/>
                         </a:rPr>
-                        <a:t>3.ประชมกับผู้ใช้งาน</a:t>
+                        <a:t>3.นำระบบขึ้นเซิฟเวอร์</a:t>
                       </a:r>
                       <a:endParaRPr lang="en-US" sz="1400" dirty="0">
                         <a:latin typeface="Cordia New" panose="020B0304020202020204" pitchFamily="34" charset="-34"/>
@@ -3838,40 +3791,11 @@
                   </a:txBody>
                   <a:tcPr marL="68580" marR="68580" anchor="ctr"/>
                 </a:tc>
-              </a:tr>
-              <a:tr h="382955">
-                <a:tc>
-                  <a:txBody>
-                    <a:bodyPr/>
-                    <a:lstStyle/>
-                    <a:p>
-                      <a:r>
-                        <a:rPr lang="th-TH" sz="1400" dirty="0" smtClean="0">
-                          <a:latin typeface="Cordia New" panose="020B0304020202020204" pitchFamily="34" charset="-34"/>
-                          <a:cs typeface="+mn-cs"/>
-                        </a:rPr>
-                        <a:t>4.แก้ไขระบบตามความต้องการ</a:t>
-                      </a:r>
-                      <a:endParaRPr lang="en-US" sz="1400" dirty="0">
-                        <a:latin typeface="Cordia New" panose="020B0304020202020204" pitchFamily="34" charset="-34"/>
-                        <a:cs typeface="+mn-cs"/>
-                      </a:endParaRPr>
-                    </a:p>
-                  </a:txBody>
-                  <a:tcPr marL="68580" marR="68580" anchor="ctr"/>
-                </a:tc>
-                <a:tc>
-                  <a:txBody>
-                    <a:bodyPr/>
-                    <a:lstStyle/>
-                    <a:p>
-                      <a:endParaRPr lang="en-US" sz="1400" dirty="0">
-                        <a:cs typeface="+mn-cs"/>
-                      </a:endParaRPr>
-                    </a:p>
-                  </a:txBody>
-                  <a:tcPr marL="68580" marR="68580" anchor="ctr"/>
-                </a:tc>
+                <a:extLst>
+                  <a:ext uri="{0D108BD9-81ED-4DB2-BD59-A6C34878D82A}">
+                    <a16:rowId xmlns:a16="http://schemas.microsoft.com/office/drawing/2014/main" val="10003"/>
+                  </a:ext>
+                </a:extLst>
               </a:tr>
             </a:tbl>
           </a:graphicData>
@@ -3882,7 +3806,7 @@
           <p:cNvPr id="12" name="Oval 11">
             <a:extLst>
               <a:ext uri="{FF2B5EF4-FFF2-40B4-BE49-F238E27FC236}">
-                <a16:creationId xmlns="" xmlns:a16="http://schemas.microsoft.com/office/drawing/2014/main" id="{7117C100-C37E-4D32-9850-3DF8DADFBA54}"/>
+                <a16:creationId xmlns:a16="http://schemas.microsoft.com/office/drawing/2014/main" id="{7117C100-C37E-4D32-9850-3DF8DADFBA54}"/>
               </a:ext>
             </a:extLst>
           </p:cNvPr>
@@ -3934,7 +3858,7 @@
           <p:cNvPr id="14" name="Oval 13">
             <a:extLst>
               <a:ext uri="{FF2B5EF4-FFF2-40B4-BE49-F238E27FC236}">
-                <a16:creationId xmlns="" xmlns:a16="http://schemas.microsoft.com/office/drawing/2014/main" id="{C823EA53-F46E-49A3-AB90-17821A6B518D}"/>
+                <a16:creationId xmlns:a16="http://schemas.microsoft.com/office/drawing/2014/main" id="{C823EA53-F46E-49A3-AB90-17821A6B518D}"/>
               </a:ext>
             </a:extLst>
           </p:cNvPr>
@@ -3981,238 +3905,12 @@
           </a:p>
         </p:txBody>
       </p:sp>
-      <p:graphicFrame>
-        <p:nvGraphicFramePr>
-          <p:cNvPr id="24" name="Table 23">
-            <a:extLst>
-              <a:ext uri="{FF2B5EF4-FFF2-40B4-BE49-F238E27FC236}">
-                <a16:creationId xmlns="" xmlns:a16="http://schemas.microsoft.com/office/drawing/2014/main" id="{A9EDFC86-1FEB-4C7A-90A6-6DB738F7B6EB}"/>
-              </a:ext>
-            </a:extLst>
-          </p:cNvPr>
-          <p:cNvGraphicFramePr>
-            <a:graphicFrameLocks noGrp="1"/>
-          </p:cNvGraphicFramePr>
-          <p:nvPr>
-            <p:extLst>
-              <p:ext uri="{D42A27DB-BD31-4B8C-83A1-F6EECF244321}">
-                <p14:modId xmlns:p14="http://schemas.microsoft.com/office/powerpoint/2010/main" val="945336951"/>
-              </p:ext>
-            </p:extLst>
-          </p:nvPr>
-        </p:nvGraphicFramePr>
-        <p:xfrm>
-          <a:off x="4700974" y="2108821"/>
-          <a:ext cx="3818238" cy="1815543"/>
-        </p:xfrm>
-        <a:graphic>
-          <a:graphicData uri="http://schemas.openxmlformats.org/drawingml/2006/table">
-            <a:tbl>
-              <a:tblPr firstRow="1" bandRow="1">
-                <a:tableStyleId>{F2DE63D5-997A-4646-A377-4702673A728D}</a:tableStyleId>
-              </a:tblPr>
-              <a:tblGrid>
-                <a:gridCol w="3040946">
-                  <a:extLst>
-                    <a:ext uri="{9D8B030D-6E8A-4147-A177-3AD203B41FA5}">
-                      <a16:colId xmlns="" xmlns:a16="http://schemas.microsoft.com/office/drawing/2014/main" val="2176200733"/>
-                    </a:ext>
-                  </a:extLst>
-                </a:gridCol>
-                <a:gridCol w="777292">
-                  <a:extLst>
-                    <a:ext uri="{9D8B030D-6E8A-4147-A177-3AD203B41FA5}">
-                      <a16:colId xmlns="" xmlns:a16="http://schemas.microsoft.com/office/drawing/2014/main" val="4148840354"/>
-                    </a:ext>
-                  </a:extLst>
-                </a:gridCol>
-              </a:tblGrid>
-              <a:tr h="672758">
-                <a:tc>
-                  <a:txBody>
-                    <a:bodyPr/>
-                    <a:lstStyle/>
-                    <a:p>
-                      <a:pPr algn="ctr"/>
-                      <a:r>
-                        <a:rPr lang="en-US" sz="1400" dirty="0"/>
-                        <a:t>Detail</a:t>
-                      </a:r>
-                    </a:p>
-                  </a:txBody>
-                  <a:tcPr marL="68580" marR="68580" anchor="ctr">
-                    <a:solidFill>
-                      <a:srgbClr val="4472C4">
-                        <a:alpha val="50196"/>
-                      </a:srgbClr>
-                    </a:solidFill>
-                  </a:tcPr>
-                </a:tc>
-                <a:tc>
-                  <a:txBody>
-                    <a:bodyPr/>
-                    <a:lstStyle/>
-                    <a:p>
-                      <a:pPr algn="ctr"/>
-                      <a:r>
-                        <a:rPr lang="en-US" sz="1400" dirty="0"/>
-                        <a:t>Status</a:t>
-                      </a:r>
-                    </a:p>
-                  </a:txBody>
-                  <a:tcPr marL="68580" marR="68580" anchor="ctr">
-                    <a:solidFill>
-                      <a:srgbClr val="4472C4">
-                        <a:alpha val="50196"/>
-                      </a:srgbClr>
-                    </a:solidFill>
-                  </a:tcPr>
-                </a:tc>
-                <a:extLst>
-                  <a:ext uri="{0D108BD9-81ED-4DB2-BD59-A6C34878D82A}">
-                    <a16:rowId xmlns="" xmlns:a16="http://schemas.microsoft.com/office/drawing/2014/main" val="2187342951"/>
-                  </a:ext>
-                </a:extLst>
-              </a:tr>
-              <a:tr h="376875">
-                <a:tc>
-                  <a:txBody>
-                    <a:bodyPr/>
-                    <a:lstStyle/>
-                    <a:p>
-                      <a:pPr marL="0" marR="0" indent="0" algn="l" defTabSz="914400" rtl="0" eaLnBrk="1" fontAlgn="auto" latinLnBrk="0" hangingPunct="1">
-                        <a:lnSpc>
-                          <a:spcPct val="100000"/>
-                        </a:lnSpc>
-                        <a:spcBef>
-                          <a:spcPts val="0"/>
-                        </a:spcBef>
-                        <a:spcAft>
-                          <a:spcPts val="0"/>
-                        </a:spcAft>
-                        <a:buClrTx/>
-                        <a:buSzTx/>
-                        <a:buFontTx/>
-                        <a:buNone/>
-                        <a:tabLst/>
-                        <a:defRPr/>
-                      </a:pPr>
-                      <a:r>
-                        <a:rPr lang="th-TH" sz="1400" dirty="0" smtClean="0">
-                          <a:latin typeface="Cordia New" panose="020B0304020202020204" pitchFamily="34" charset="-34"/>
-                          <a:cs typeface="+mn-cs"/>
-                        </a:rPr>
-                        <a:t>1.แก้ไขระบบตามความต้องการ</a:t>
-                      </a:r>
-                      <a:endParaRPr lang="en-US" sz="1400" dirty="0" smtClean="0">
-                        <a:latin typeface="Cordia New" panose="020B0304020202020204" pitchFamily="34" charset="-34"/>
-                        <a:cs typeface="+mn-cs"/>
-                      </a:endParaRPr>
-                    </a:p>
-                  </a:txBody>
-                  <a:tcPr marL="68580" marR="68580" anchor="ctr"/>
-                </a:tc>
-                <a:tc>
-                  <a:txBody>
-                    <a:bodyPr/>
-                    <a:lstStyle/>
-                    <a:p>
-                      <a:endParaRPr lang="en-US" sz="1400" dirty="0">
-                        <a:cs typeface="+mn-cs"/>
-                      </a:endParaRPr>
-                    </a:p>
-                  </a:txBody>
-                  <a:tcPr marL="68580" marR="68580" anchor="ctr"/>
-                </a:tc>
-                <a:extLst>
-                  <a:ext uri="{0D108BD9-81ED-4DB2-BD59-A6C34878D82A}">
-                    <a16:rowId xmlns="" xmlns:a16="http://schemas.microsoft.com/office/drawing/2014/main" val="1446813083"/>
-                  </a:ext>
-                </a:extLst>
-              </a:tr>
-              <a:tr h="382955">
-                <a:tc>
-                  <a:txBody>
-                    <a:bodyPr/>
-                    <a:lstStyle/>
-                    <a:p>
-                      <a:r>
-                        <a:rPr lang="th-TH" sz="1400" dirty="0" smtClean="0">
-                          <a:latin typeface="Cordia New" panose="020B0304020202020204" pitchFamily="34" charset="-34"/>
-                          <a:cs typeface="+mn-cs"/>
-                        </a:rPr>
-                        <a:t>2.ทดสอบระบบ</a:t>
-                      </a:r>
-                      <a:endParaRPr lang="en-US" sz="1400" dirty="0">
-                        <a:latin typeface="Cordia New" panose="020B0304020202020204" pitchFamily="34" charset="-34"/>
-                        <a:cs typeface="+mn-cs"/>
-                      </a:endParaRPr>
-                    </a:p>
-                  </a:txBody>
-                  <a:tcPr marL="68580" marR="68580" anchor="ctr"/>
-                </a:tc>
-                <a:tc>
-                  <a:txBody>
-                    <a:bodyPr/>
-                    <a:lstStyle/>
-                    <a:p>
-                      <a:endParaRPr lang="en-US" sz="1400" dirty="0">
-                        <a:cs typeface="+mn-cs"/>
-                      </a:endParaRPr>
-                    </a:p>
-                  </a:txBody>
-                  <a:tcPr marL="68580" marR="68580" anchor="ctr"/>
-                </a:tc>
-                <a:extLst>
-                  <a:ext uri="{0D108BD9-81ED-4DB2-BD59-A6C34878D82A}">
-                    <a16:rowId xmlns="" xmlns:a16="http://schemas.microsoft.com/office/drawing/2014/main" val="1191543212"/>
-                  </a:ext>
-                </a:extLst>
-              </a:tr>
-              <a:tr h="382955">
-                <a:tc>
-                  <a:txBody>
-                    <a:bodyPr/>
-                    <a:lstStyle/>
-                    <a:p>
-                      <a:r>
-                        <a:rPr lang="th-TH" sz="1400" dirty="0" smtClean="0">
-                          <a:latin typeface="Cordia New" panose="020B0304020202020204" pitchFamily="34" charset="-34"/>
-                          <a:cs typeface="+mn-cs"/>
-                        </a:rPr>
-                        <a:t>3.นำระบบขึ้นเซิฟเวอร์</a:t>
-                      </a:r>
-                      <a:endParaRPr lang="en-US" sz="1400" dirty="0">
-                        <a:latin typeface="Cordia New" panose="020B0304020202020204" pitchFamily="34" charset="-34"/>
-                        <a:cs typeface="+mn-cs"/>
-                      </a:endParaRPr>
-                    </a:p>
-                  </a:txBody>
-                  <a:tcPr marL="68580" marR="68580" anchor="ctr"/>
-                </a:tc>
-                <a:tc>
-                  <a:txBody>
-                    <a:bodyPr/>
-                    <a:lstStyle/>
-                    <a:p>
-                      <a:endParaRPr lang="en-US" sz="1400" dirty="0">
-                        <a:cs typeface="+mn-cs"/>
-                      </a:endParaRPr>
-                    </a:p>
-                  </a:txBody>
-                  <a:tcPr marL="68580" marR="68580" anchor="ctr"/>
-                </a:tc>
-              </a:tr>
-            </a:tbl>
-          </a:graphicData>
-        </a:graphic>
-      </p:graphicFrame>
       <p:sp>
         <p:nvSpPr>
           <p:cNvPr id="25" name="Oval 24">
             <a:extLst>
               <a:ext uri="{FF2B5EF4-FFF2-40B4-BE49-F238E27FC236}">
-                <a16:creationId xmlns="" xmlns:a16="http://schemas.microsoft.com/office/drawing/2014/main" id="{C823EA53-F46E-49A3-AB90-17821A6B518D}"/>
+                <a16:creationId xmlns:a16="http://schemas.microsoft.com/office/drawing/2014/main" id="{C823EA53-F46E-49A3-AB90-17821A6B518D}"/>
               </a:ext>
             </a:extLst>
           </p:cNvPr>
@@ -4261,210 +3959,6 @@
       </p:sp>
       <p:sp>
         <p:nvSpPr>
-          <p:cNvPr id="26" name="Multiplication Sign 8">
-            <a:extLst>
-              <a:ext uri="{FF2B5EF4-FFF2-40B4-BE49-F238E27FC236}">
-                <a16:creationId xmlns="" xmlns:a16="http://schemas.microsoft.com/office/drawing/2014/main" id="{C0A0E261-C511-4252-9822-C92E4B5179E4}"/>
-              </a:ext>
-            </a:extLst>
-          </p:cNvPr>
-          <p:cNvSpPr/>
-          <p:nvPr/>
-        </p:nvSpPr>
-        <p:spPr>
-          <a:xfrm>
-            <a:off x="3755461" y="3847804"/>
-            <a:ext cx="505035" cy="438446"/>
-          </a:xfrm>
-          <a:prstGeom prst="mathMultiply">
-            <a:avLst>
-              <a:gd name="adj1" fmla="val 16004"/>
-            </a:avLst>
-          </a:prstGeom>
-          <a:solidFill>
-            <a:srgbClr val="FF0000"/>
-          </a:solidFill>
-        </p:spPr>
-        <p:style>
-          <a:lnRef idx="0">
-            <a:schemeClr val="accent2"/>
-          </a:lnRef>
-          <a:fillRef idx="3">
-            <a:schemeClr val="accent2"/>
-          </a:fillRef>
-          <a:effectRef idx="3">
-            <a:schemeClr val="accent2"/>
-          </a:effectRef>
-          <a:fontRef idx="minor">
-            <a:schemeClr val="lt1"/>
-          </a:fontRef>
-        </p:style>
-        <p:txBody>
-          <a:bodyPr rtlCol="0" anchor="ctr"/>
-          <a:lstStyle/>
-          <a:p>
-            <a:pPr algn="ctr"/>
-            <a:endParaRPr lang="en-US"/>
-          </a:p>
-        </p:txBody>
-      </p:sp>
-      <p:pic>
-        <p:nvPicPr>
-          <p:cNvPr id="3" name="Picture 2"/>
-          <p:cNvPicPr>
-            <a:picLocks noChangeAspect="1"/>
-          </p:cNvPicPr>
-          <p:nvPr/>
-        </p:nvPicPr>
-        <p:blipFill>
-          <a:blip r:embed="rId2" cstate="print">
-            <a:extLst>
-              <a:ext uri="{28A0092B-C50C-407E-A947-70E740481C1C}">
-                <a14:useLocalDpi xmlns:a14="http://schemas.microsoft.com/office/drawing/2010/main" val="0"/>
-              </a:ext>
-            </a:extLst>
-          </a:blip>
-          <a:stretch>
-            <a:fillRect/>
-          </a:stretch>
-        </p:blipFill>
-        <p:spPr>
-          <a:xfrm>
-            <a:off x="1115787" y="3837112"/>
-            <a:ext cx="3561211" cy="3079964"/>
-          </a:xfrm>
-          <a:prstGeom prst="rect">
-            <a:avLst/>
-          </a:prstGeom>
-        </p:spPr>
-      </p:pic>
-      <p:sp>
-        <p:nvSpPr>
-          <p:cNvPr id="8" name="Rectangle 7"/>
-          <p:cNvSpPr/>
-          <p:nvPr/>
-        </p:nvSpPr>
-        <p:spPr>
-          <a:xfrm>
-            <a:off x="4792493" y="5012706"/>
-            <a:ext cx="2730236" cy="923330"/>
-          </a:xfrm>
-          <a:prstGeom prst="rect">
-            <a:avLst/>
-          </a:prstGeom>
-          <a:noFill/>
-        </p:spPr>
-        <p:txBody>
-          <a:bodyPr wrap="none" lIns="91440" tIns="45720" rIns="91440" bIns="45720">
-            <a:spAutoFit/>
-          </a:bodyPr>
-          <a:lstStyle/>
-          <a:p>
-            <a:pPr algn="ctr"/>
-            <a:r>
-              <a:rPr lang="th-TH" sz="5400" b="1" cap="none" spc="0" dirty="0" smtClean="0">
-                <a:ln w="10541" cmpd="sng">
-                  <a:solidFill>
-                    <a:srgbClr val="7D7D7D">
-                      <a:tint val="100000"/>
-                      <a:shade val="100000"/>
-                      <a:satMod val="110000"/>
-                    </a:srgbClr>
-                  </a:solidFill>
-                  <a:prstDash val="solid"/>
-                </a:ln>
-                <a:gradFill>
-                  <a:gsLst>
-                    <a:gs pos="0">
-                      <a:srgbClr val="FFFFFF">
-                        <a:tint val="40000"/>
-                        <a:satMod val="250000"/>
-                      </a:srgbClr>
-                    </a:gs>
-                    <a:gs pos="9000">
-                      <a:srgbClr val="FFFFFF">
-                        <a:tint val="52000"/>
-                        <a:satMod val="300000"/>
-                      </a:srgbClr>
-                    </a:gs>
-                    <a:gs pos="50000">
-                      <a:srgbClr val="FFFFFF">
-                        <a:shade val="20000"/>
-                        <a:satMod val="300000"/>
-                      </a:srgbClr>
-                    </a:gs>
-                    <a:gs pos="79000">
-                      <a:srgbClr val="FFFFFF">
-                        <a:tint val="52000"/>
-                        <a:satMod val="300000"/>
-                      </a:srgbClr>
-                    </a:gs>
-                    <a:gs pos="100000">
-                      <a:srgbClr val="FFFFFF">
-                        <a:tint val="40000"/>
-                        <a:satMod val="250000"/>
-                      </a:srgbClr>
-                    </a:gs>
-                  </a:gsLst>
-                  <a:lin ang="5400000"/>
-                </a:gradFill>
-                <a:effectLst/>
-              </a:rPr>
-              <a:t>แง้นนนนนน</a:t>
-            </a:r>
-            <a:endParaRPr lang="en-US" sz="5400" b="1" cap="none" spc="0" dirty="0">
-              <a:ln w="10541" cmpd="sng">
-                <a:solidFill>
-                  <a:srgbClr val="7D7D7D">
-                    <a:tint val="100000"/>
-                    <a:shade val="100000"/>
-                    <a:satMod val="110000"/>
-                  </a:srgbClr>
-                </a:solidFill>
-                <a:prstDash val="solid"/>
-              </a:ln>
-              <a:gradFill>
-                <a:gsLst>
-                  <a:gs pos="0">
-                    <a:srgbClr val="FFFFFF">
-                      <a:tint val="40000"/>
-                      <a:satMod val="250000"/>
-                    </a:srgbClr>
-                  </a:gs>
-                  <a:gs pos="9000">
-                    <a:srgbClr val="FFFFFF">
-                      <a:tint val="52000"/>
-                      <a:satMod val="300000"/>
-                    </a:srgbClr>
-                  </a:gs>
-                  <a:gs pos="50000">
-                    <a:srgbClr val="FFFFFF">
-                      <a:shade val="20000"/>
-                      <a:satMod val="300000"/>
-                    </a:srgbClr>
-                  </a:gs>
-                  <a:gs pos="79000">
-                    <a:srgbClr val="FFFFFF">
-                      <a:tint val="52000"/>
-                      <a:satMod val="300000"/>
-                    </a:srgbClr>
-                  </a:gs>
-                  <a:gs pos="100000">
-                    <a:srgbClr val="FFFFFF">
-                      <a:tint val="40000"/>
-                      <a:satMod val="250000"/>
-                    </a:srgbClr>
-                  </a:gs>
-                </a:gsLst>
-                <a:lin ang="5400000"/>
-              </a:gradFill>
-              <a:effectLst/>
-            </a:endParaRPr>
-          </a:p>
-        </p:txBody>
-      </p:sp>
-      <p:sp>
-        <p:nvSpPr>
           <p:cNvPr id="9" name="Rectangle 8"/>
           <p:cNvSpPr/>
           <p:nvPr/>
@@ -4487,7 +3981,7 @@
           <a:p>
             <a:pPr algn="ctr"/>
             <a:r>
-              <a:rPr lang="en-US" sz="4400" b="1" dirty="0" err="1" smtClean="0">
+              <a:rPr lang="en-US" sz="4400" b="1" dirty="0" err="1">
                 <a:ln w="10541" cmpd="sng">
                   <a:solidFill>
                     <a:schemeClr val="accent1">
@@ -4536,7 +4030,7 @@
               <a:t>Chatchai</a:t>
             </a:r>
             <a:r>
-              <a:rPr lang="en-US" sz="4400" b="1" dirty="0" smtClean="0">
+              <a:rPr lang="en-US" sz="4400" b="1" dirty="0">
                 <a:ln w="10541" cmpd="sng">
                   <a:solidFill>
                     <a:schemeClr val="accent1">
@@ -4585,7 +4079,7 @@
               <a:t> </a:t>
             </a:r>
             <a:r>
-              <a:rPr lang="en-US" sz="4400" b="1" dirty="0" err="1" smtClean="0">
+              <a:rPr lang="en-US" sz="4400" b="1" dirty="0" err="1">
                 <a:ln w="10541" cmpd="sng">
                   <a:solidFill>
                     <a:schemeClr val="accent1">
@@ -4985,7 +4479,7 @@
   <a:extraClrSchemeLst/>
   <a:extLst>
     <a:ext uri="{05A4C25C-085E-4340-85A3-A5531E510DB2}">
-      <thm15:themeFamily xmlns="" xmlns:thm15="http://schemas.microsoft.com/office/thememl/2012/main" name="Office Theme" id="{62F939B6-93AF-4DB8-9C6B-D6C7DFDC589F}" vid="{4A3C46E8-61CC-4603-A589-7422A47A8E4A}"/>
+      <thm15:themeFamily xmlns:thm15="http://schemas.microsoft.com/office/thememl/2012/main" name="Office Theme" id="{62F939B6-93AF-4DB8-9C6B-D6C7DFDC589F}" vid="{4A3C46E8-61CC-4603-A589-7422A47A8E4A}"/>
     </a:ext>
   </a:extLst>
 </a:theme>
